--- a/Präsentation1.pptx
+++ b/Präsentation1.pptx
@@ -298,7 +298,7 @@
           <a:p>
             <a:fld id="{4AAD347D-5ACD-4C99-B74B-A9C85AD731AF}" type="datetimeFigureOut">
               <a:rPr lang="en-US" dirty="0"/>
-              <a:t>8/31/2020</a:t>
+              <a:t>9/7/2020</a:t>
             </a:fld>
             <a:endParaRPr lang="en-US" dirty="0"/>
           </a:p>
@@ -568,7 +568,7 @@
           <a:p>
             <a:fld id="{4509A250-FF31-4206-8172-F9D3106AACB1}" type="datetimeFigureOut">
               <a:rPr lang="en-US" dirty="0"/>
-              <a:t>8/31/2020</a:t>
+              <a:t>9/7/2020</a:t>
             </a:fld>
             <a:endParaRPr lang="en-US" dirty="0"/>
           </a:p>
@@ -757,7 +757,7 @@
           <a:p>
             <a:fld id="{4509A250-FF31-4206-8172-F9D3106AACB1}" type="datetimeFigureOut">
               <a:rPr lang="en-US" dirty="0"/>
-              <a:t>8/31/2020</a:t>
+              <a:t>9/7/2020</a:t>
             </a:fld>
             <a:endParaRPr lang="en-US" dirty="0"/>
           </a:p>
@@ -1025,7 +1025,7 @@
           <a:p>
             <a:fld id="{4509A250-FF31-4206-8172-F9D3106AACB1}" type="datetimeFigureOut">
               <a:rPr lang="en-US" dirty="0"/>
-              <a:t>8/31/2020</a:t>
+              <a:t>9/7/2020</a:t>
             </a:fld>
             <a:endParaRPr lang="en-US" dirty="0"/>
           </a:p>
@@ -1361,7 +1361,7 @@
           <a:p>
             <a:fld id="{4509A250-FF31-4206-8172-F9D3106AACB1}" type="datetimeFigureOut">
               <a:rPr lang="en-US" dirty="0"/>
-              <a:t>8/31/2020</a:t>
+              <a:t>9/7/2020</a:t>
             </a:fld>
             <a:endParaRPr lang="en-US" dirty="0"/>
           </a:p>
@@ -1979,7 +1979,7 @@
           <a:p>
             <a:fld id="{4509A250-FF31-4206-8172-F9D3106AACB1}" type="datetimeFigureOut">
               <a:rPr lang="en-US" dirty="0"/>
-              <a:t>8/31/2020</a:t>
+              <a:t>9/7/2020</a:t>
             </a:fld>
             <a:endParaRPr lang="en-US" dirty="0"/>
           </a:p>
@@ -2834,7 +2834,7 @@
           <a:p>
             <a:fld id="{4509A250-FF31-4206-8172-F9D3106AACB1}" type="datetimeFigureOut">
               <a:rPr lang="en-US" dirty="0"/>
-              <a:t>8/31/2020</a:t>
+              <a:t>9/7/2020</a:t>
             </a:fld>
             <a:endParaRPr lang="en-US" dirty="0"/>
           </a:p>
@@ -2999,7 +2999,7 @@
           <a:p>
             <a:fld id="{4509A250-FF31-4206-8172-F9D3106AACB1}" type="datetimeFigureOut">
               <a:rPr lang="en-US" dirty="0"/>
-              <a:t>8/31/2020</a:t>
+              <a:t>9/7/2020</a:t>
             </a:fld>
             <a:endParaRPr lang="en-US" dirty="0"/>
           </a:p>
@@ -3174,7 +3174,7 @@
           <a:p>
             <a:fld id="{4509A250-FF31-4206-8172-F9D3106AACB1}" type="datetimeFigureOut">
               <a:rPr lang="en-US" dirty="0"/>
-              <a:t>8/31/2020</a:t>
+              <a:t>9/7/2020</a:t>
             </a:fld>
             <a:endParaRPr lang="en-US" dirty="0"/>
           </a:p>
@@ -3339,7 +3339,7 @@
           <a:p>
             <a:fld id="{4509A250-FF31-4206-8172-F9D3106AACB1}" type="datetimeFigureOut">
               <a:rPr lang="en-US" dirty="0"/>
-              <a:t>8/31/2020</a:t>
+              <a:t>9/7/2020</a:t>
             </a:fld>
             <a:endParaRPr lang="en-US" dirty="0"/>
           </a:p>
@@ -3581,7 +3581,7 @@
           <a:p>
             <a:fld id="{9796027F-7875-4030-9381-8BD8C4F21935}" type="datetimeFigureOut">
               <a:rPr lang="en-US" dirty="0"/>
-              <a:t>8/31/2020</a:t>
+              <a:t>9/7/2020</a:t>
             </a:fld>
             <a:endParaRPr lang="en-US" dirty="0"/>
           </a:p>
@@ -3868,7 +3868,7 @@
           <a:p>
             <a:fld id="{9796027F-7875-4030-9381-8BD8C4F21935}" type="datetimeFigureOut">
               <a:rPr lang="en-US" dirty="0"/>
-              <a:t>8/31/2020</a:t>
+              <a:t>9/7/2020</a:t>
             </a:fld>
             <a:endParaRPr lang="en-US" dirty="0"/>
           </a:p>
@@ -4307,7 +4307,7 @@
           <a:p>
             <a:fld id="{9796027F-7875-4030-9381-8BD8C4F21935}" type="datetimeFigureOut">
               <a:rPr lang="en-US" dirty="0"/>
-              <a:t>8/31/2020</a:t>
+              <a:t>9/7/2020</a:t>
             </a:fld>
             <a:endParaRPr lang="en-US" dirty="0"/>
           </a:p>
@@ -4420,7 +4420,7 @@
           <a:p>
             <a:fld id="{4509A250-FF31-4206-8172-F9D3106AACB1}" type="datetimeFigureOut">
               <a:rPr lang="en-US" dirty="0"/>
-              <a:t>8/31/2020</a:t>
+              <a:t>9/7/2020</a:t>
             </a:fld>
             <a:endParaRPr lang="en-US" dirty="0"/>
           </a:p>
@@ -4510,7 +4510,7 @@
           <a:p>
             <a:fld id="{4509A250-FF31-4206-8172-F9D3106AACB1}" type="datetimeFigureOut">
               <a:rPr lang="en-US" dirty="0"/>
-              <a:t>8/31/2020</a:t>
+              <a:t>9/7/2020</a:t>
             </a:fld>
             <a:endParaRPr lang="en-US" dirty="0"/>
           </a:p>
@@ -4784,7 +4784,7 @@
           <a:p>
             <a:fld id="{4509A250-FF31-4206-8172-F9D3106AACB1}" type="datetimeFigureOut">
               <a:rPr lang="en-US" dirty="0"/>
-              <a:t>8/31/2020</a:t>
+              <a:t>9/7/2020</a:t>
             </a:fld>
             <a:endParaRPr lang="en-US" dirty="0"/>
           </a:p>
@@ -5054,7 +5054,7 @@
           <a:p>
             <a:fld id="{4509A250-FF31-4206-8172-F9D3106AACB1}" type="datetimeFigureOut">
               <a:rPr lang="en-US" dirty="0"/>
-              <a:t>8/31/2020</a:t>
+              <a:t>9/7/2020</a:t>
             </a:fld>
             <a:endParaRPr lang="en-US" dirty="0"/>
           </a:p>
@@ -5478,7 +5478,7 @@
           <a:p>
             <a:fld id="{4AAD347D-5ACD-4C99-B74B-A9C85AD731AF}" type="datetimeFigureOut">
               <a:rPr lang="en-US" dirty="0"/>
-              <a:t>8/31/2020</a:t>
+              <a:t>9/7/2020</a:t>
             </a:fld>
             <a:endParaRPr lang="en-US" dirty="0"/>
           </a:p>
@@ -6069,10 +6069,7 @@
               <a:buFont typeface="Arial" panose="020B0604020202020204" pitchFamily="34" charset="0"/>
               <a:buChar char="•"/>
             </a:pPr>
-            <a:r>
-              <a:rPr lang="de-DE" dirty="0"/>
-              <a:t>Smartphones - &gt; Überall Internet</a:t>
-            </a:r>
+            <a:endParaRPr lang="de-DE" dirty="0" smtClean="0"/>
           </a:p>
           <a:p>
             <a:pPr marL="285750" indent="-285750">
@@ -6080,8 +6077,12 @@
               <a:buChar char="•"/>
             </a:pPr>
             <a:r>
+              <a:rPr lang="de-DE" dirty="0" smtClean="0"/>
+              <a:t>Smartphone </a:t>
+            </a:r>
+            <a:r>
               <a:rPr lang="de-DE" dirty="0"/>
-              <a:t>Smartphone kombiniert -&gt;  Telefon, Kamera, GPS-Empfänger, Mediaplayer und Touchscreen Computer</a:t>
+              <a:t>kombiniert -&gt;  Telefon, Kamera, GPS-Empfänger, Mediaplayer und Touchscreen Computer</a:t>
             </a:r>
           </a:p>
           <a:p>
